--- a/vignettes/SoilManager_graphic.pptx
+++ b/vignettes/SoilManager_graphic.pptx
@@ -104,6 +104,11 @@
       </a:defRPr>
     </a:lvl9pPr>
   </p:defaultTextStyle>
+  <p:extLst>
+    <p:ext uri="{EFAFB233-063F-42B5-8137-9DF3F51BA10A}">
+      <p15:sldGuideLst xmlns:p15="http://schemas.microsoft.com/office/powerpoint/2012/main"/>
+    </p:ext>
+  </p:extLst>
 </p:presentation>
 </file>
 
@@ -149,7 +154,7 @@
           </a:lstStyle>
           <a:p>
             <a:r>
-              <a:rPr lang="de-DE" smtClean="0"/>
+              <a:rPr lang="de-DE"/>
               <a:t>Titelmasterformat durch Klicken bearbeiten</a:t>
             </a:r>
             <a:endParaRPr lang="en-US"/>
@@ -214,7 +219,7 @@
           </a:lstStyle>
           <a:p>
             <a:r>
-              <a:rPr lang="de-DE" smtClean="0"/>
+              <a:rPr lang="de-DE"/>
               <a:t>Formatvorlage des Untertitelmasters durch Klicken bearbeiten</a:t>
             </a:r>
             <a:endParaRPr lang="en-US"/>
@@ -238,7 +243,7 @@
           <a:p>
             <a:fld id="{93829E93-ECB9-4261-B20D-C25A6897D405}" type="datetimeFigureOut">
               <a:rPr lang="en-US" smtClean="0"/>
-              <a:t>2/9/2024</a:t>
+              <a:t>4/16/2025</a:t>
             </a:fld>
             <a:endParaRPr lang="en-US"/>
           </a:p>
@@ -332,7 +337,7 @@
           <a:lstStyle/>
           <a:p>
             <a:r>
-              <a:rPr lang="de-DE" smtClean="0"/>
+              <a:rPr lang="de-DE"/>
               <a:t>Titelmasterformat durch Klicken bearbeiten</a:t>
             </a:r>
             <a:endParaRPr lang="en-US"/>
@@ -356,35 +361,35 @@
           <a:p>
             <a:pPr lvl="0"/>
             <a:r>
-              <a:rPr lang="de-DE" smtClean="0"/>
+              <a:rPr lang="de-DE"/>
               <a:t>Formatvorlagen des Textmasters bearbeiten</a:t>
             </a:r>
           </a:p>
           <a:p>
             <a:pPr lvl="1"/>
             <a:r>
-              <a:rPr lang="de-DE" smtClean="0"/>
+              <a:rPr lang="de-DE"/>
               <a:t>Zweite Ebene</a:t>
             </a:r>
           </a:p>
           <a:p>
             <a:pPr lvl="2"/>
             <a:r>
-              <a:rPr lang="de-DE" smtClean="0"/>
+              <a:rPr lang="de-DE"/>
               <a:t>Dritte Ebene</a:t>
             </a:r>
           </a:p>
           <a:p>
             <a:pPr lvl="3"/>
             <a:r>
-              <a:rPr lang="de-DE" smtClean="0"/>
+              <a:rPr lang="de-DE"/>
               <a:t>Vierte Ebene</a:t>
             </a:r>
           </a:p>
           <a:p>
             <a:pPr lvl="4"/>
             <a:r>
-              <a:rPr lang="de-DE" smtClean="0"/>
+              <a:rPr lang="de-DE"/>
               <a:t>Fünfte Ebene</a:t>
             </a:r>
             <a:endParaRPr lang="en-US"/>
@@ -408,7 +413,7 @@
           <a:p>
             <a:fld id="{93829E93-ECB9-4261-B20D-C25A6897D405}" type="datetimeFigureOut">
               <a:rPr lang="en-US" smtClean="0"/>
-              <a:t>2/9/2024</a:t>
+              <a:t>4/16/2025</a:t>
             </a:fld>
             <a:endParaRPr lang="en-US"/>
           </a:p>
@@ -507,7 +512,7 @@
           <a:lstStyle/>
           <a:p>
             <a:r>
-              <a:rPr lang="de-DE" smtClean="0"/>
+              <a:rPr lang="de-DE"/>
               <a:t>Titelmasterformat durch Klicken bearbeiten</a:t>
             </a:r>
             <a:endParaRPr lang="en-US"/>
@@ -536,35 +541,35 @@
           <a:p>
             <a:pPr lvl="0"/>
             <a:r>
-              <a:rPr lang="de-DE" smtClean="0"/>
+              <a:rPr lang="de-DE"/>
               <a:t>Formatvorlagen des Textmasters bearbeiten</a:t>
             </a:r>
           </a:p>
           <a:p>
             <a:pPr lvl="1"/>
             <a:r>
-              <a:rPr lang="de-DE" smtClean="0"/>
+              <a:rPr lang="de-DE"/>
               <a:t>Zweite Ebene</a:t>
             </a:r>
           </a:p>
           <a:p>
             <a:pPr lvl="2"/>
             <a:r>
-              <a:rPr lang="de-DE" smtClean="0"/>
+              <a:rPr lang="de-DE"/>
               <a:t>Dritte Ebene</a:t>
             </a:r>
           </a:p>
           <a:p>
             <a:pPr lvl="3"/>
             <a:r>
-              <a:rPr lang="de-DE" smtClean="0"/>
+              <a:rPr lang="de-DE"/>
               <a:t>Vierte Ebene</a:t>
             </a:r>
           </a:p>
           <a:p>
             <a:pPr lvl="4"/>
             <a:r>
-              <a:rPr lang="de-DE" smtClean="0"/>
+              <a:rPr lang="de-DE"/>
               <a:t>Fünfte Ebene</a:t>
             </a:r>
             <a:endParaRPr lang="en-US"/>
@@ -588,7 +593,7 @@
           <a:p>
             <a:fld id="{93829E93-ECB9-4261-B20D-C25A6897D405}" type="datetimeFigureOut">
               <a:rPr lang="en-US" smtClean="0"/>
-              <a:t>2/9/2024</a:t>
+              <a:t>4/16/2025</a:t>
             </a:fld>
             <a:endParaRPr lang="en-US"/>
           </a:p>
@@ -682,7 +687,7 @@
           <a:lstStyle/>
           <a:p>
             <a:r>
-              <a:rPr lang="de-DE" smtClean="0"/>
+              <a:rPr lang="de-DE"/>
               <a:t>Titelmasterformat durch Klicken bearbeiten</a:t>
             </a:r>
             <a:endParaRPr lang="en-US"/>
@@ -706,35 +711,35 @@
           <a:p>
             <a:pPr lvl="0"/>
             <a:r>
-              <a:rPr lang="de-DE" smtClean="0"/>
+              <a:rPr lang="de-DE"/>
               <a:t>Formatvorlagen des Textmasters bearbeiten</a:t>
             </a:r>
           </a:p>
           <a:p>
             <a:pPr lvl="1"/>
             <a:r>
-              <a:rPr lang="de-DE" smtClean="0"/>
+              <a:rPr lang="de-DE"/>
               <a:t>Zweite Ebene</a:t>
             </a:r>
           </a:p>
           <a:p>
             <a:pPr lvl="2"/>
             <a:r>
-              <a:rPr lang="de-DE" smtClean="0"/>
+              <a:rPr lang="de-DE"/>
               <a:t>Dritte Ebene</a:t>
             </a:r>
           </a:p>
           <a:p>
             <a:pPr lvl="3"/>
             <a:r>
-              <a:rPr lang="de-DE" smtClean="0"/>
+              <a:rPr lang="de-DE"/>
               <a:t>Vierte Ebene</a:t>
             </a:r>
           </a:p>
           <a:p>
             <a:pPr lvl="4"/>
             <a:r>
-              <a:rPr lang="de-DE" smtClean="0"/>
+              <a:rPr lang="de-DE"/>
               <a:t>Fünfte Ebene</a:t>
             </a:r>
             <a:endParaRPr lang="en-US"/>
@@ -758,7 +763,7 @@
           <a:p>
             <a:fld id="{93829E93-ECB9-4261-B20D-C25A6897D405}" type="datetimeFigureOut">
               <a:rPr lang="en-US" smtClean="0"/>
-              <a:t>2/9/2024</a:t>
+              <a:t>4/16/2025</a:t>
             </a:fld>
             <a:endParaRPr lang="en-US"/>
           </a:p>
@@ -861,7 +866,7 @@
           </a:lstStyle>
           <a:p>
             <a:r>
-              <a:rPr lang="de-DE" smtClean="0"/>
+              <a:rPr lang="de-DE"/>
               <a:t>Titelmasterformat durch Klicken bearbeiten</a:t>
             </a:r>
             <a:endParaRPr lang="en-US"/>
@@ -981,7 +986,7 @@
           <a:p>
             <a:pPr lvl="0"/>
             <a:r>
-              <a:rPr lang="de-DE" smtClean="0"/>
+              <a:rPr lang="de-DE"/>
               <a:t>Formatvorlagen des Textmasters bearbeiten</a:t>
             </a:r>
           </a:p>
@@ -1004,7 +1009,7 @@
           <a:p>
             <a:fld id="{93829E93-ECB9-4261-B20D-C25A6897D405}" type="datetimeFigureOut">
               <a:rPr lang="en-US" smtClean="0"/>
-              <a:t>2/9/2024</a:t>
+              <a:t>4/16/2025</a:t>
             </a:fld>
             <a:endParaRPr lang="en-US"/>
           </a:p>
@@ -1098,7 +1103,7 @@
           <a:lstStyle/>
           <a:p>
             <a:r>
-              <a:rPr lang="de-DE" smtClean="0"/>
+              <a:rPr lang="de-DE"/>
               <a:t>Titelmasterformat durch Klicken bearbeiten</a:t>
             </a:r>
             <a:endParaRPr lang="en-US"/>
@@ -1127,35 +1132,35 @@
           <a:p>
             <a:pPr lvl="0"/>
             <a:r>
-              <a:rPr lang="de-DE" smtClean="0"/>
+              <a:rPr lang="de-DE"/>
               <a:t>Formatvorlagen des Textmasters bearbeiten</a:t>
             </a:r>
           </a:p>
           <a:p>
             <a:pPr lvl="1"/>
             <a:r>
-              <a:rPr lang="de-DE" smtClean="0"/>
+              <a:rPr lang="de-DE"/>
               <a:t>Zweite Ebene</a:t>
             </a:r>
           </a:p>
           <a:p>
             <a:pPr lvl="2"/>
             <a:r>
-              <a:rPr lang="de-DE" smtClean="0"/>
+              <a:rPr lang="de-DE"/>
               <a:t>Dritte Ebene</a:t>
             </a:r>
           </a:p>
           <a:p>
             <a:pPr lvl="3"/>
             <a:r>
-              <a:rPr lang="de-DE" smtClean="0"/>
+              <a:rPr lang="de-DE"/>
               <a:t>Vierte Ebene</a:t>
             </a:r>
           </a:p>
           <a:p>
             <a:pPr lvl="4"/>
             <a:r>
-              <a:rPr lang="de-DE" smtClean="0"/>
+              <a:rPr lang="de-DE"/>
               <a:t>Fünfte Ebene</a:t>
             </a:r>
             <a:endParaRPr lang="en-US"/>
@@ -1184,35 +1189,35 @@
           <a:p>
             <a:pPr lvl="0"/>
             <a:r>
-              <a:rPr lang="de-DE" smtClean="0"/>
+              <a:rPr lang="de-DE"/>
               <a:t>Formatvorlagen des Textmasters bearbeiten</a:t>
             </a:r>
           </a:p>
           <a:p>
             <a:pPr lvl="1"/>
             <a:r>
-              <a:rPr lang="de-DE" smtClean="0"/>
+              <a:rPr lang="de-DE"/>
               <a:t>Zweite Ebene</a:t>
             </a:r>
           </a:p>
           <a:p>
             <a:pPr lvl="2"/>
             <a:r>
-              <a:rPr lang="de-DE" smtClean="0"/>
+              <a:rPr lang="de-DE"/>
               <a:t>Dritte Ebene</a:t>
             </a:r>
           </a:p>
           <a:p>
             <a:pPr lvl="3"/>
             <a:r>
-              <a:rPr lang="de-DE" smtClean="0"/>
+              <a:rPr lang="de-DE"/>
               <a:t>Vierte Ebene</a:t>
             </a:r>
           </a:p>
           <a:p>
             <a:pPr lvl="4"/>
             <a:r>
-              <a:rPr lang="de-DE" smtClean="0"/>
+              <a:rPr lang="de-DE"/>
               <a:t>Fünfte Ebene</a:t>
             </a:r>
             <a:endParaRPr lang="en-US"/>
@@ -1236,7 +1241,7 @@
           <a:p>
             <a:fld id="{93829E93-ECB9-4261-B20D-C25A6897D405}" type="datetimeFigureOut">
               <a:rPr lang="en-US" smtClean="0"/>
-              <a:t>2/9/2024</a:t>
+              <a:t>4/16/2025</a:t>
             </a:fld>
             <a:endParaRPr lang="en-US"/>
           </a:p>
@@ -1335,7 +1340,7 @@
           <a:lstStyle/>
           <a:p>
             <a:r>
-              <a:rPr lang="de-DE" smtClean="0"/>
+              <a:rPr lang="de-DE"/>
               <a:t>Titelmasterformat durch Klicken bearbeiten</a:t>
             </a:r>
             <a:endParaRPr lang="en-US"/>
@@ -1401,7 +1406,7 @@
           <a:p>
             <a:pPr lvl="0"/>
             <a:r>
-              <a:rPr lang="de-DE" smtClean="0"/>
+              <a:rPr lang="de-DE"/>
               <a:t>Formatvorlagen des Textmasters bearbeiten</a:t>
             </a:r>
           </a:p>
@@ -1429,35 +1434,35 @@
           <a:p>
             <a:pPr lvl="0"/>
             <a:r>
-              <a:rPr lang="de-DE" smtClean="0"/>
+              <a:rPr lang="de-DE"/>
               <a:t>Formatvorlagen des Textmasters bearbeiten</a:t>
             </a:r>
           </a:p>
           <a:p>
             <a:pPr lvl="1"/>
             <a:r>
-              <a:rPr lang="de-DE" smtClean="0"/>
+              <a:rPr lang="de-DE"/>
               <a:t>Zweite Ebene</a:t>
             </a:r>
           </a:p>
           <a:p>
             <a:pPr lvl="2"/>
             <a:r>
-              <a:rPr lang="de-DE" smtClean="0"/>
+              <a:rPr lang="de-DE"/>
               <a:t>Dritte Ebene</a:t>
             </a:r>
           </a:p>
           <a:p>
             <a:pPr lvl="3"/>
             <a:r>
-              <a:rPr lang="de-DE" smtClean="0"/>
+              <a:rPr lang="de-DE"/>
               <a:t>Vierte Ebene</a:t>
             </a:r>
           </a:p>
           <a:p>
             <a:pPr lvl="4"/>
             <a:r>
-              <a:rPr lang="de-DE" smtClean="0"/>
+              <a:rPr lang="de-DE"/>
               <a:t>Fünfte Ebene</a:t>
             </a:r>
             <a:endParaRPr lang="en-US"/>
@@ -1523,7 +1528,7 @@
           <a:p>
             <a:pPr lvl="0"/>
             <a:r>
-              <a:rPr lang="de-DE" smtClean="0"/>
+              <a:rPr lang="de-DE"/>
               <a:t>Formatvorlagen des Textmasters bearbeiten</a:t>
             </a:r>
           </a:p>
@@ -1551,35 +1556,35 @@
           <a:p>
             <a:pPr lvl="0"/>
             <a:r>
-              <a:rPr lang="de-DE" smtClean="0"/>
+              <a:rPr lang="de-DE"/>
               <a:t>Formatvorlagen des Textmasters bearbeiten</a:t>
             </a:r>
           </a:p>
           <a:p>
             <a:pPr lvl="1"/>
             <a:r>
-              <a:rPr lang="de-DE" smtClean="0"/>
+              <a:rPr lang="de-DE"/>
               <a:t>Zweite Ebene</a:t>
             </a:r>
           </a:p>
           <a:p>
             <a:pPr lvl="2"/>
             <a:r>
-              <a:rPr lang="de-DE" smtClean="0"/>
+              <a:rPr lang="de-DE"/>
               <a:t>Dritte Ebene</a:t>
             </a:r>
           </a:p>
           <a:p>
             <a:pPr lvl="3"/>
             <a:r>
-              <a:rPr lang="de-DE" smtClean="0"/>
+              <a:rPr lang="de-DE"/>
               <a:t>Vierte Ebene</a:t>
             </a:r>
           </a:p>
           <a:p>
             <a:pPr lvl="4"/>
             <a:r>
-              <a:rPr lang="de-DE" smtClean="0"/>
+              <a:rPr lang="de-DE"/>
               <a:t>Fünfte Ebene</a:t>
             </a:r>
             <a:endParaRPr lang="en-US"/>
@@ -1603,7 +1608,7 @@
           <a:p>
             <a:fld id="{93829E93-ECB9-4261-B20D-C25A6897D405}" type="datetimeFigureOut">
               <a:rPr lang="en-US" smtClean="0"/>
-              <a:t>2/9/2024</a:t>
+              <a:t>4/16/2025</a:t>
             </a:fld>
             <a:endParaRPr lang="en-US"/>
           </a:p>
@@ -1697,7 +1702,7 @@
           <a:lstStyle/>
           <a:p>
             <a:r>
-              <a:rPr lang="de-DE" smtClean="0"/>
+              <a:rPr lang="de-DE"/>
               <a:t>Titelmasterformat durch Klicken bearbeiten</a:t>
             </a:r>
             <a:endParaRPr lang="en-US"/>
@@ -1721,7 +1726,7 @@
           <a:p>
             <a:fld id="{93829E93-ECB9-4261-B20D-C25A6897D405}" type="datetimeFigureOut">
               <a:rPr lang="en-US" smtClean="0"/>
-              <a:t>2/9/2024</a:t>
+              <a:t>4/16/2025</a:t>
             </a:fld>
             <a:endParaRPr lang="en-US"/>
           </a:p>
@@ -1816,7 +1821,7 @@
           <a:p>
             <a:fld id="{93829E93-ECB9-4261-B20D-C25A6897D405}" type="datetimeFigureOut">
               <a:rPr lang="en-US" smtClean="0"/>
-              <a:t>2/9/2024</a:t>
+              <a:t>4/16/2025</a:t>
             </a:fld>
             <a:endParaRPr lang="en-US"/>
           </a:p>
@@ -1919,7 +1924,7 @@
           </a:lstStyle>
           <a:p>
             <a:r>
-              <a:rPr lang="de-DE" smtClean="0"/>
+              <a:rPr lang="de-DE"/>
               <a:t>Titelmasterformat durch Klicken bearbeiten</a:t>
             </a:r>
             <a:endParaRPr lang="en-US"/>
@@ -1976,35 +1981,35 @@
           <a:p>
             <a:pPr lvl="0"/>
             <a:r>
-              <a:rPr lang="de-DE" smtClean="0"/>
+              <a:rPr lang="de-DE"/>
               <a:t>Formatvorlagen des Textmasters bearbeiten</a:t>
             </a:r>
           </a:p>
           <a:p>
             <a:pPr lvl="1"/>
             <a:r>
-              <a:rPr lang="de-DE" smtClean="0"/>
+              <a:rPr lang="de-DE"/>
               <a:t>Zweite Ebene</a:t>
             </a:r>
           </a:p>
           <a:p>
             <a:pPr lvl="2"/>
             <a:r>
-              <a:rPr lang="de-DE" smtClean="0"/>
+              <a:rPr lang="de-DE"/>
               <a:t>Dritte Ebene</a:t>
             </a:r>
           </a:p>
           <a:p>
             <a:pPr lvl="3"/>
             <a:r>
-              <a:rPr lang="de-DE" smtClean="0"/>
+              <a:rPr lang="de-DE"/>
               <a:t>Vierte Ebene</a:t>
             </a:r>
           </a:p>
           <a:p>
             <a:pPr lvl="4"/>
             <a:r>
-              <a:rPr lang="de-DE" smtClean="0"/>
+              <a:rPr lang="de-DE"/>
               <a:t>Fünfte Ebene</a:t>
             </a:r>
             <a:endParaRPr lang="en-US"/>
@@ -2070,7 +2075,7 @@
           <a:p>
             <a:pPr lvl="0"/>
             <a:r>
-              <a:rPr lang="de-DE" smtClean="0"/>
+              <a:rPr lang="de-DE"/>
               <a:t>Formatvorlagen des Textmasters bearbeiten</a:t>
             </a:r>
           </a:p>
@@ -2093,7 +2098,7 @@
           <a:p>
             <a:fld id="{93829E93-ECB9-4261-B20D-C25A6897D405}" type="datetimeFigureOut">
               <a:rPr lang="en-US" smtClean="0"/>
-              <a:t>2/9/2024</a:t>
+              <a:t>4/16/2025</a:t>
             </a:fld>
             <a:endParaRPr lang="en-US"/>
           </a:p>
@@ -2196,7 +2201,7 @@
           </a:lstStyle>
           <a:p>
             <a:r>
-              <a:rPr lang="de-DE" smtClean="0"/>
+              <a:rPr lang="de-DE"/>
               <a:t>Titelmasterformat durch Klicken bearbeiten</a:t>
             </a:r>
             <a:endParaRPr lang="en-US"/>
@@ -2323,7 +2328,7 @@
           <a:p>
             <a:pPr lvl="0"/>
             <a:r>
-              <a:rPr lang="de-DE" smtClean="0"/>
+              <a:rPr lang="de-DE"/>
               <a:t>Formatvorlagen des Textmasters bearbeiten</a:t>
             </a:r>
           </a:p>
@@ -2346,7 +2351,7 @@
           <a:p>
             <a:fld id="{93829E93-ECB9-4261-B20D-C25A6897D405}" type="datetimeFigureOut">
               <a:rPr lang="en-US" smtClean="0"/>
-              <a:t>2/9/2024</a:t>
+              <a:t>4/16/2025</a:t>
             </a:fld>
             <a:endParaRPr lang="en-US"/>
           </a:p>
@@ -2455,7 +2460,7 @@
           <a:lstStyle/>
           <a:p>
             <a:r>
-              <a:rPr lang="de-DE" smtClean="0"/>
+              <a:rPr lang="de-DE"/>
               <a:t>Titelmasterformat durch Klicken bearbeiten</a:t>
             </a:r>
             <a:endParaRPr lang="en-US"/>
@@ -2489,35 +2494,35 @@
           <a:p>
             <a:pPr lvl="0"/>
             <a:r>
-              <a:rPr lang="de-DE" smtClean="0"/>
+              <a:rPr lang="de-DE"/>
               <a:t>Formatvorlagen des Textmasters bearbeiten</a:t>
             </a:r>
           </a:p>
           <a:p>
             <a:pPr lvl="1"/>
             <a:r>
-              <a:rPr lang="de-DE" smtClean="0"/>
+              <a:rPr lang="de-DE"/>
               <a:t>Zweite Ebene</a:t>
             </a:r>
           </a:p>
           <a:p>
             <a:pPr lvl="2"/>
             <a:r>
-              <a:rPr lang="de-DE" smtClean="0"/>
+              <a:rPr lang="de-DE"/>
               <a:t>Dritte Ebene</a:t>
             </a:r>
           </a:p>
           <a:p>
             <a:pPr lvl="3"/>
             <a:r>
-              <a:rPr lang="de-DE" smtClean="0"/>
+              <a:rPr lang="de-DE"/>
               <a:t>Vierte Ebene</a:t>
             </a:r>
           </a:p>
           <a:p>
             <a:pPr lvl="4"/>
             <a:r>
-              <a:rPr lang="de-DE" smtClean="0"/>
+              <a:rPr lang="de-DE"/>
               <a:t>Fünfte Ebene</a:t>
             </a:r>
             <a:endParaRPr lang="en-US"/>
@@ -2559,7 +2564,7 @@
           <a:p>
             <a:fld id="{93829E93-ECB9-4261-B20D-C25A6897D405}" type="datetimeFigureOut">
               <a:rPr lang="en-US" smtClean="0"/>
-              <a:t>2/9/2024</a:t>
+              <a:t>4/16/2025</a:t>
             </a:fld>
             <a:endParaRPr lang="en-US"/>
           </a:p>
@@ -2978,7 +2983,7 @@
         </p:nvGrpSpPr>
         <p:grpSpPr>
           <a:xfrm>
-            <a:off x="921112" y="1143000"/>
+            <a:off x="853016" y="724705"/>
             <a:ext cx="2319618" cy="3745005"/>
             <a:chOff x="921112" y="1143000"/>
             <a:chExt cx="2319618" cy="3745005"/>
@@ -3099,7 +3104,7 @@
           <p:spPr>
             <a:xfrm>
               <a:off x="921112" y="2132014"/>
-              <a:ext cx="2319617" cy="1015663"/>
+              <a:ext cx="2319617" cy="1477328"/>
             </a:xfrm>
             <a:prstGeom prst="rect">
               <a:avLst/>
@@ -3113,14 +3118,14 @@
             <a:lstStyle/>
             <a:p>
               <a:r>
-                <a:rPr lang="de-CH" sz="1200" dirty="0" err="1">
+                <a:rPr lang="de-CH" sz="1000" dirty="0" err="1">
                   <a:latin typeface="Arial" panose="020B0604020202020204" pitchFamily="34" charset="0"/>
                   <a:cs typeface="Arial" panose="020B0604020202020204" pitchFamily="34" charset="0"/>
                 </a:rPr>
                 <a:t>management_df</a:t>
               </a:r>
               <a:r>
-                <a:rPr lang="de-CH" sz="1200" dirty="0">
+                <a:rPr lang="de-CH" sz="1000" dirty="0">
                   <a:latin typeface="Arial" panose="020B0604020202020204" pitchFamily="34" charset="0"/>
                   <a:cs typeface="Arial" panose="020B0604020202020204" pitchFamily="34" charset="0"/>
                 </a:rPr>
@@ -3128,21 +3133,21 @@
               </a:r>
             </a:p>
             <a:p>
-              <a:endParaRPr lang="de-CH" sz="1200" dirty="0">
+              <a:endParaRPr lang="de-CH" sz="1000" dirty="0">
                 <a:latin typeface="Arial" panose="020B0604020202020204" pitchFamily="34" charset="0"/>
                 <a:cs typeface="Arial" panose="020B0604020202020204" pitchFamily="34" charset="0"/>
               </a:endParaRPr>
             </a:p>
             <a:p>
               <a:r>
-                <a:rPr lang="en-GB" sz="1200" dirty="0" err="1">
+                <a:rPr lang="en-GB" sz="1000" dirty="0" err="1">
                   <a:latin typeface="Arial" panose="020B0604020202020204" pitchFamily="34" charset="0"/>
                   <a:cs typeface="Arial" panose="020B0604020202020204" pitchFamily="34" charset="0"/>
                 </a:rPr>
                 <a:t>management_df_from_excel</a:t>
               </a:r>
               <a:r>
-                <a:rPr lang="en-GB" sz="1200" dirty="0">
+                <a:rPr lang="en-GB" sz="1000" dirty="0">
                   <a:latin typeface="Arial" panose="020B0604020202020204" pitchFamily="34" charset="0"/>
                   <a:cs typeface="Arial" panose="020B0604020202020204" pitchFamily="34" charset="0"/>
                 </a:rPr>
@@ -3150,21 +3155,65 @@
               </a:r>
             </a:p>
             <a:p>
-              <a:endParaRPr lang="en-GB" sz="1200" dirty="0">
+              <a:endParaRPr lang="en-GB" sz="1000" dirty="0">
                 <a:latin typeface="Arial" panose="020B0604020202020204" pitchFamily="34" charset="0"/>
                 <a:cs typeface="Arial" panose="020B0604020202020204" pitchFamily="34" charset="0"/>
               </a:endParaRPr>
             </a:p>
             <a:p>
               <a:r>
-                <a:rPr lang="en-GB" sz="1200" dirty="0" err="1">
+                <a:rPr lang="en-GB" sz="1000" dirty="0" err="1">
                   <a:latin typeface="Arial" panose="020B0604020202020204" pitchFamily="34" charset="0"/>
                   <a:cs typeface="Arial" panose="020B0604020202020204" pitchFamily="34" charset="0"/>
                 </a:rPr>
                 <a:t>check_management_df</a:t>
               </a:r>
               <a:r>
-                <a:rPr lang="en-GB" sz="1200" dirty="0">
+                <a:rPr lang="en-GB" sz="1000" dirty="0">
+                  <a:latin typeface="Arial" panose="020B0604020202020204" pitchFamily="34" charset="0"/>
+                  <a:cs typeface="Arial" panose="020B0604020202020204" pitchFamily="34" charset="0"/>
+                </a:rPr>
+                <a:t>()</a:t>
+              </a:r>
+            </a:p>
+            <a:p>
+              <a:endParaRPr lang="en-GB" sz="1000" dirty="0">
+                <a:latin typeface="Arial" panose="020B0604020202020204" pitchFamily="34" charset="0"/>
+                <a:cs typeface="Arial" panose="020B0604020202020204" pitchFamily="34" charset="0"/>
+              </a:endParaRPr>
+            </a:p>
+            <a:p>
+              <a:r>
+                <a:rPr lang="en-GB" sz="1000" dirty="0" err="1">
+                  <a:latin typeface="Arial" panose="020B0604020202020204" pitchFamily="34" charset="0"/>
+                  <a:cs typeface="Arial" panose="020B0604020202020204" pitchFamily="34" charset="0"/>
+                </a:rPr>
+                <a:t>arrange_management_df</a:t>
+              </a:r>
+              <a:r>
+                <a:rPr lang="en-GB" sz="1000" dirty="0">
+                  <a:latin typeface="Arial" panose="020B0604020202020204" pitchFamily="34" charset="0"/>
+                  <a:cs typeface="Arial" panose="020B0604020202020204" pitchFamily="34" charset="0"/>
+                </a:rPr>
+                <a:t>()</a:t>
+              </a:r>
+            </a:p>
+            <a:p>
+              <a:endParaRPr lang="en-GB" sz="1000" dirty="0">
+                <a:latin typeface="Arial" panose="020B0604020202020204" pitchFamily="34" charset="0"/>
+                <a:cs typeface="Arial" panose="020B0604020202020204" pitchFamily="34" charset="0"/>
+              </a:endParaRPr>
+            </a:p>
+            <a:p>
+              <a:r>
+                <a:rPr lang="en-GB" sz="1000" dirty="0" err="1">
+                  <a:latin typeface="Arial" panose="020B0604020202020204" pitchFamily="34" charset="0"/>
+                  <a:cs typeface="Arial" panose="020B0604020202020204" pitchFamily="34" charset="0"/>
+                </a:rPr>
+                <a:t>plot_management_df</a:t>
+              </a:r>
+              <a:r>
+                <a:rPr lang="en-GB" sz="1000" dirty="0">
                   <a:latin typeface="Arial" panose="020B0604020202020204" pitchFamily="34" charset="0"/>
                   <a:cs typeface="Arial" panose="020B0604020202020204" pitchFamily="34" charset="0"/>
                 </a:rPr>
@@ -3188,10 +3237,10 @@
         </p:nvGrpSpPr>
         <p:grpSpPr>
           <a:xfrm>
-            <a:off x="3650865" y="1143001"/>
-            <a:ext cx="2319618" cy="3745006"/>
-            <a:chOff x="3650865" y="1143001"/>
-            <a:chExt cx="2319618" cy="3745006"/>
+            <a:off x="3582769" y="724705"/>
+            <a:ext cx="2319618" cy="5540187"/>
+            <a:chOff x="3650865" y="1143000"/>
+            <a:chExt cx="2319618" cy="5540187"/>
           </a:xfrm>
         </p:grpSpPr>
         <p:sp>
@@ -3208,8 +3257,8 @@
           </p:nvSpPr>
           <p:spPr bwMode="auto">
             <a:xfrm>
-              <a:off x="3650865" y="1143001"/>
-              <a:ext cx="2319618" cy="3745006"/>
+              <a:off x="3650865" y="1143000"/>
+              <a:ext cx="2319618" cy="5540187"/>
             </a:xfrm>
             <a:prstGeom prst="roundRect">
               <a:avLst/>
@@ -3295,7 +3344,7 @@
           <p:spPr>
             <a:xfrm>
               <a:off x="3834544" y="2132014"/>
-              <a:ext cx="1996888" cy="2677656"/>
+              <a:ext cx="1996888" cy="3785652"/>
             </a:xfrm>
             <a:prstGeom prst="rect">
               <a:avLst/>
@@ -3309,14 +3358,14 @@
             <a:lstStyle/>
             <a:p>
               <a:r>
-                <a:rPr lang="de-CH" sz="1200" dirty="0" err="1">
+                <a:rPr lang="de-CH" sz="1000" dirty="0" err="1">
                   <a:latin typeface="Arial" panose="020B0604020202020204" pitchFamily="34" charset="0"/>
                   <a:cs typeface="Arial" panose="020B0604020202020204" pitchFamily="34" charset="0"/>
                 </a:rPr>
                 <a:t>calculate_indicators</a:t>
               </a:r>
               <a:r>
-                <a:rPr lang="de-CH" sz="1200" dirty="0">
+                <a:rPr lang="de-CH" sz="1000" dirty="0">
                   <a:latin typeface="Arial" panose="020B0604020202020204" pitchFamily="34" charset="0"/>
                   <a:cs typeface="Arial" panose="020B0604020202020204" pitchFamily="34" charset="0"/>
                 </a:rPr>
@@ -3324,21 +3373,69 @@
               </a:r>
             </a:p>
             <a:p>
-              <a:endParaRPr lang="de-CH" sz="1200" dirty="0">
+              <a:endParaRPr lang="en-US" sz="1000" dirty="0">
                 <a:latin typeface="Arial" panose="020B0604020202020204" pitchFamily="34" charset="0"/>
                 <a:cs typeface="Arial" panose="020B0604020202020204" pitchFamily="34" charset="0"/>
               </a:endParaRPr>
             </a:p>
             <a:p>
               <a:r>
-                <a:rPr lang="de-CH" sz="1200" dirty="0" err="1">
+                <a:rPr lang="en-US" sz="1000" dirty="0" err="1">
+                  <a:latin typeface="Arial" panose="020B0604020202020204" pitchFamily="34" charset="0"/>
+                  <a:cs typeface="Arial" panose="020B0604020202020204" pitchFamily="34" charset="0"/>
+                </a:rPr>
+                <a:t>calculate_indicators_by_crop</a:t>
+              </a:r>
+              <a:r>
+                <a:rPr lang="en-US" sz="1000" dirty="0">
+                  <a:latin typeface="Arial" panose="020B0604020202020204" pitchFamily="34" charset="0"/>
+                  <a:cs typeface="Arial" panose="020B0604020202020204" pitchFamily="34" charset="0"/>
+                </a:rPr>
+                <a:t>()</a:t>
+              </a:r>
+            </a:p>
+            <a:p>
+              <a:endParaRPr lang="en-US" sz="1000" dirty="0">
+                <a:latin typeface="Arial" panose="020B0604020202020204" pitchFamily="34" charset="0"/>
+                <a:cs typeface="Arial" panose="020B0604020202020204" pitchFamily="34" charset="0"/>
+              </a:endParaRPr>
+            </a:p>
+            <a:p>
+              <a:r>
+                <a:rPr lang="de-CH" sz="1000" dirty="0" err="1">
+                  <a:latin typeface="Arial" panose="020B0604020202020204" pitchFamily="34" charset="0"/>
+                  <a:cs typeface="Arial" panose="020B0604020202020204" pitchFamily="34" charset="0"/>
+                </a:rPr>
+                <a:t>indicators_by_date</a:t>
+              </a:r>
+              <a:r>
+                <a:rPr lang="en-US" sz="1000" dirty="0">
+                  <a:latin typeface="Arial" panose="020B0604020202020204" pitchFamily="34" charset="0"/>
+                  <a:cs typeface="Arial" panose="020B0604020202020204" pitchFamily="34" charset="0"/>
+                </a:rPr>
+                <a:t>()</a:t>
+              </a:r>
+              <a:endParaRPr lang="de-CH" sz="1000" dirty="0">
+                <a:latin typeface="Arial" panose="020B0604020202020204" pitchFamily="34" charset="0"/>
+                <a:cs typeface="Arial" panose="020B0604020202020204" pitchFamily="34" charset="0"/>
+              </a:endParaRPr>
+            </a:p>
+            <a:p>
+              <a:endParaRPr lang="de-CH" sz="1000" dirty="0">
+                <a:latin typeface="Arial" panose="020B0604020202020204" pitchFamily="34" charset="0"/>
+                <a:cs typeface="Arial" panose="020B0604020202020204" pitchFamily="34" charset="0"/>
+              </a:endParaRPr>
+            </a:p>
+            <a:p>
+              <a:r>
+                <a:rPr lang="de-CH" sz="1000" dirty="0" err="1">
                   <a:latin typeface="Arial" panose="020B0604020202020204" pitchFamily="34" charset="0"/>
                   <a:cs typeface="Arial" panose="020B0604020202020204" pitchFamily="34" charset="0"/>
                 </a:rPr>
                 <a:t>C_input</a:t>
               </a:r>
               <a:r>
-                <a:rPr lang="de-CH" sz="1200" dirty="0">
+                <a:rPr lang="de-CH" sz="1000" dirty="0">
                   <a:latin typeface="Arial" panose="020B0604020202020204" pitchFamily="34" charset="0"/>
                   <a:cs typeface="Arial" panose="020B0604020202020204" pitchFamily="34" charset="0"/>
                 </a:rPr>
@@ -3346,21 +3443,21 @@
               </a:r>
             </a:p>
             <a:p>
-              <a:endParaRPr lang="de-CH" sz="1200" dirty="0">
+              <a:endParaRPr lang="de-CH" sz="1000" dirty="0">
                 <a:latin typeface="Arial" panose="020B0604020202020204" pitchFamily="34" charset="0"/>
                 <a:cs typeface="Arial" panose="020B0604020202020204" pitchFamily="34" charset="0"/>
               </a:endParaRPr>
             </a:p>
             <a:p>
               <a:r>
-                <a:rPr lang="de-CH" sz="1200" dirty="0" err="1">
+                <a:rPr lang="de-CH" sz="1000" dirty="0" err="1">
                   <a:latin typeface="Arial" panose="020B0604020202020204" pitchFamily="34" charset="0"/>
                   <a:cs typeface="Arial" panose="020B0604020202020204" pitchFamily="34" charset="0"/>
                 </a:rPr>
                 <a:t>N_input</a:t>
               </a:r>
               <a:r>
-                <a:rPr lang="de-CH" sz="1200" dirty="0">
+                <a:rPr lang="de-CH" sz="1000" dirty="0">
                   <a:latin typeface="Arial" panose="020B0604020202020204" pitchFamily="34" charset="0"/>
                   <a:cs typeface="Arial" panose="020B0604020202020204" pitchFamily="34" charset="0"/>
                 </a:rPr>
@@ -3368,21 +3465,21 @@
               </a:r>
             </a:p>
             <a:p>
-              <a:endParaRPr lang="de-CH" sz="1200" dirty="0">
+              <a:endParaRPr lang="de-CH" sz="1000" dirty="0">
                 <a:latin typeface="Arial" panose="020B0604020202020204" pitchFamily="34" charset="0"/>
                 <a:cs typeface="Arial" panose="020B0604020202020204" pitchFamily="34" charset="0"/>
               </a:endParaRPr>
             </a:p>
             <a:p>
               <a:r>
-                <a:rPr lang="de-CH" sz="1200" dirty="0" err="1">
+                <a:rPr lang="de-CH" sz="1000" dirty="0" err="1">
                   <a:latin typeface="Arial" panose="020B0604020202020204" pitchFamily="34" charset="0"/>
                   <a:cs typeface="Arial" panose="020B0604020202020204" pitchFamily="34" charset="0"/>
                 </a:rPr>
                 <a:t>tillage_intensity</a:t>
               </a:r>
               <a:r>
-                <a:rPr lang="de-CH" sz="1200" dirty="0">
+                <a:rPr lang="de-CH" sz="1000" dirty="0">
                   <a:latin typeface="Arial" panose="020B0604020202020204" pitchFamily="34" charset="0"/>
                   <a:cs typeface="Arial" panose="020B0604020202020204" pitchFamily="34" charset="0"/>
                 </a:rPr>
@@ -3390,21 +3487,21 @@
               </a:r>
             </a:p>
             <a:p>
-              <a:endParaRPr lang="de-CH" sz="1200" dirty="0">
+              <a:endParaRPr lang="de-CH" sz="1000" dirty="0">
                 <a:latin typeface="Arial" panose="020B0604020202020204" pitchFamily="34" charset="0"/>
                 <a:cs typeface="Arial" panose="020B0604020202020204" pitchFamily="34" charset="0"/>
               </a:endParaRPr>
             </a:p>
             <a:p>
               <a:r>
-                <a:rPr lang="de-CH" sz="1200" dirty="0" err="1">
+                <a:rPr lang="de-CH" sz="1000" dirty="0" err="1">
                   <a:latin typeface="Arial" panose="020B0604020202020204" pitchFamily="34" charset="0"/>
                   <a:cs typeface="Arial" panose="020B0604020202020204" pitchFamily="34" charset="0"/>
                 </a:rPr>
                 <a:t>soil_cover</a:t>
               </a:r>
               <a:r>
-                <a:rPr lang="de-CH" sz="1200" dirty="0">
+                <a:rPr lang="de-CH" sz="1000" dirty="0">
                   <a:latin typeface="Arial" panose="020B0604020202020204" pitchFamily="34" charset="0"/>
                   <a:cs typeface="Arial" panose="020B0604020202020204" pitchFamily="34" charset="0"/>
                 </a:rPr>
@@ -3412,21 +3509,21 @@
               </a:r>
             </a:p>
             <a:p>
-              <a:endParaRPr lang="de-CH" sz="1200" dirty="0">
+              <a:endParaRPr lang="de-CH" sz="1000" dirty="0">
                 <a:latin typeface="Arial" panose="020B0604020202020204" pitchFamily="34" charset="0"/>
                 <a:cs typeface="Arial" panose="020B0604020202020204" pitchFamily="34" charset="0"/>
               </a:endParaRPr>
             </a:p>
             <a:p>
               <a:r>
-                <a:rPr lang="de-CH" sz="1200" dirty="0" err="1">
+                <a:rPr lang="de-CH" sz="1000" dirty="0" err="1">
                   <a:latin typeface="Arial" panose="020B0604020202020204" pitchFamily="34" charset="0"/>
                   <a:cs typeface="Arial" panose="020B0604020202020204" pitchFamily="34" charset="0"/>
                 </a:rPr>
                 <a:t>plant_diversity</a:t>
               </a:r>
               <a:r>
-                <a:rPr lang="de-CH" sz="1200" dirty="0">
+                <a:rPr lang="de-CH" sz="1000" dirty="0">
                   <a:latin typeface="Arial" panose="020B0604020202020204" pitchFamily="34" charset="0"/>
                   <a:cs typeface="Arial" panose="020B0604020202020204" pitchFamily="34" charset="0"/>
                 </a:rPr>
@@ -3434,21 +3531,21 @@
               </a:r>
             </a:p>
             <a:p>
-              <a:endParaRPr lang="de-CH" sz="1200" dirty="0">
+              <a:endParaRPr lang="de-CH" sz="1000" dirty="0">
                 <a:latin typeface="Arial" panose="020B0604020202020204" pitchFamily="34" charset="0"/>
                 <a:cs typeface="Arial" panose="020B0604020202020204" pitchFamily="34" charset="0"/>
               </a:endParaRPr>
             </a:p>
             <a:p>
               <a:r>
-                <a:rPr lang="de-CH" sz="1200" dirty="0" err="1">
+                <a:rPr lang="de-CH" sz="1000" dirty="0" err="1">
                   <a:latin typeface="Arial" panose="020B0604020202020204" pitchFamily="34" charset="0"/>
                   <a:cs typeface="Arial" panose="020B0604020202020204" pitchFamily="34" charset="0"/>
                 </a:rPr>
                 <a:t>productivity_indicator</a:t>
               </a:r>
               <a:r>
-                <a:rPr lang="de-CH" sz="1200" dirty="0">
+                <a:rPr lang="de-CH" sz="1000" dirty="0">
                   <a:latin typeface="Arial" panose="020B0604020202020204" pitchFamily="34" charset="0"/>
                   <a:cs typeface="Arial" panose="020B0604020202020204" pitchFamily="34" charset="0"/>
                 </a:rPr>
@@ -3456,7 +3553,53 @@
               </a:r>
             </a:p>
             <a:p>
-              <a:endParaRPr lang="en-GB" sz="1200" dirty="0">
+              <a:endParaRPr lang="de-CH" sz="1000" dirty="0">
+                <a:latin typeface="Arial" panose="020B0604020202020204" pitchFamily="34" charset="0"/>
+                <a:cs typeface="Arial" panose="020B0604020202020204" pitchFamily="34" charset="0"/>
+              </a:endParaRPr>
+            </a:p>
+            <a:p>
+              <a:r>
+                <a:rPr lang="de-CH" sz="1000" dirty="0" err="1">
+                  <a:latin typeface="Arial" panose="020B0604020202020204" pitchFamily="34" charset="0"/>
+                  <a:cs typeface="Arial" panose="020B0604020202020204" pitchFamily="34" charset="0"/>
+                </a:rPr>
+                <a:t>count_pesticide_applications</a:t>
+              </a:r>
+              <a:r>
+                <a:rPr lang="de-CH" sz="1000" dirty="0">
+                  <a:latin typeface="Arial" panose="020B0604020202020204" pitchFamily="34" charset="0"/>
+                  <a:cs typeface="Arial" panose="020B0604020202020204" pitchFamily="34" charset="0"/>
+                </a:rPr>
+                <a:t>()</a:t>
+              </a:r>
+            </a:p>
+            <a:p>
+              <a:endParaRPr lang="de-CH" sz="1000" dirty="0">
+                <a:latin typeface="Arial" panose="020B0604020202020204" pitchFamily="34" charset="0"/>
+                <a:cs typeface="Arial" panose="020B0604020202020204" pitchFamily="34" charset="0"/>
+              </a:endParaRPr>
+            </a:p>
+            <a:p>
+              <a:endParaRPr lang="de-CH" sz="1000" dirty="0">
+                <a:latin typeface="Arial" panose="020B0604020202020204" pitchFamily="34" charset="0"/>
+                <a:cs typeface="Arial" panose="020B0604020202020204" pitchFamily="34" charset="0"/>
+              </a:endParaRPr>
+            </a:p>
+            <a:p>
+              <a:endParaRPr lang="de-CH" sz="1000" dirty="0">
+                <a:latin typeface="Arial" panose="020B0604020202020204" pitchFamily="34" charset="0"/>
+                <a:cs typeface="Arial" panose="020B0604020202020204" pitchFamily="34" charset="0"/>
+              </a:endParaRPr>
+            </a:p>
+            <a:p>
+              <a:endParaRPr lang="de-CH" sz="1000" dirty="0">
+                <a:latin typeface="Arial" panose="020B0604020202020204" pitchFamily="34" charset="0"/>
+                <a:cs typeface="Arial" panose="020B0604020202020204" pitchFamily="34" charset="0"/>
+              </a:endParaRPr>
+            </a:p>
+            <a:p>
+              <a:endParaRPr lang="en-GB" sz="1000" dirty="0">
                 <a:latin typeface="Arial" panose="020B0604020202020204" pitchFamily="34" charset="0"/>
                 <a:cs typeface="Arial" panose="020B0604020202020204" pitchFamily="34" charset="0"/>
               </a:endParaRPr>
@@ -3478,7 +3621,7 @@
         </p:nvSpPr>
         <p:spPr>
           <a:xfrm>
-            <a:off x="4056301" y="4619064"/>
+            <a:off x="3988205" y="5973207"/>
             <a:ext cx="1508746" cy="200055"/>
           </a:xfrm>
           <a:prstGeom prst="rect">
@@ -3569,10 +3712,10 @@
         </p:nvGrpSpPr>
         <p:grpSpPr>
           <a:xfrm>
-            <a:off x="6425245" y="1143000"/>
-            <a:ext cx="2319618" cy="3745007"/>
+            <a:off x="6357149" y="724705"/>
+            <a:ext cx="2319618" cy="5540187"/>
             <a:chOff x="6425245" y="1143000"/>
-            <a:chExt cx="2319618" cy="3745007"/>
+            <a:chExt cx="2319618" cy="5540187"/>
           </a:xfrm>
         </p:grpSpPr>
         <p:sp>
@@ -3590,7 +3733,7 @@
           <p:spPr bwMode="auto">
             <a:xfrm>
               <a:off x="6425245" y="1143000"/>
-              <a:ext cx="2319618" cy="3745007"/>
+              <a:ext cx="2319618" cy="5540187"/>
             </a:xfrm>
             <a:prstGeom prst="roundRect">
               <a:avLst/>
@@ -3690,7 +3833,7 @@
           <p:spPr>
             <a:xfrm>
               <a:off x="6586610" y="2132014"/>
-              <a:ext cx="1996888" cy="2492990"/>
+              <a:ext cx="1996888" cy="2092881"/>
             </a:xfrm>
             <a:prstGeom prst="rect">
               <a:avLst/>
@@ -3704,14 +3847,14 @@
             <a:lstStyle/>
             <a:p>
               <a:r>
-                <a:rPr lang="de-CH" sz="1200" dirty="0" err="1">
+                <a:rPr lang="de-CH" sz="1000" dirty="0" err="1">
                   <a:latin typeface="Arial" panose="020B0604020202020204" pitchFamily="34" charset="0"/>
                   <a:cs typeface="Arial" panose="020B0604020202020204" pitchFamily="34" charset="0"/>
                 </a:rPr>
                 <a:t>C_input_crops</a:t>
               </a:r>
               <a:r>
-                <a:rPr lang="de-CH" sz="1200" dirty="0">
+                <a:rPr lang="de-CH" sz="1000" dirty="0">
                   <a:latin typeface="Arial" panose="020B0604020202020204" pitchFamily="34" charset="0"/>
                   <a:cs typeface="Arial" panose="020B0604020202020204" pitchFamily="34" charset="0"/>
                 </a:rPr>
@@ -3719,21 +3862,21 @@
               </a:r>
             </a:p>
             <a:p>
-              <a:endParaRPr lang="de-CH" sz="1200" dirty="0">
+              <a:endParaRPr lang="de-CH" sz="1000" dirty="0">
                 <a:latin typeface="Arial" panose="020B0604020202020204" pitchFamily="34" charset="0"/>
                 <a:cs typeface="Arial" panose="020B0604020202020204" pitchFamily="34" charset="0"/>
               </a:endParaRPr>
             </a:p>
             <a:p>
               <a:r>
-                <a:rPr lang="de-CH" sz="1200" dirty="0" err="1">
+                <a:rPr lang="de-CH" sz="1000" dirty="0" err="1">
                   <a:latin typeface="Arial" panose="020B0604020202020204" pitchFamily="34" charset="0"/>
                   <a:cs typeface="Arial" panose="020B0604020202020204" pitchFamily="34" charset="0"/>
                 </a:rPr>
                 <a:t>C_input_cover_crops</a:t>
               </a:r>
               <a:r>
-                <a:rPr lang="de-CH" sz="1200" dirty="0">
+                <a:rPr lang="de-CH" sz="1000" dirty="0">
                   <a:latin typeface="Arial" panose="020B0604020202020204" pitchFamily="34" charset="0"/>
                   <a:cs typeface="Arial" panose="020B0604020202020204" pitchFamily="34" charset="0"/>
                 </a:rPr>
@@ -3741,21 +3884,21 @@
               </a:r>
             </a:p>
             <a:p>
-              <a:endParaRPr lang="de-CH" sz="1200" dirty="0">
+              <a:endParaRPr lang="de-CH" sz="1000" dirty="0">
                 <a:latin typeface="Arial" panose="020B0604020202020204" pitchFamily="34" charset="0"/>
                 <a:cs typeface="Arial" panose="020B0604020202020204" pitchFamily="34" charset="0"/>
               </a:endParaRPr>
             </a:p>
             <a:p>
               <a:r>
-                <a:rPr lang="de-CH" sz="1200" dirty="0" err="1">
+                <a:rPr lang="de-CH" sz="1000" dirty="0" err="1">
                   <a:latin typeface="Arial" panose="020B0604020202020204" pitchFamily="34" charset="0"/>
                   <a:cs typeface="Arial" panose="020B0604020202020204" pitchFamily="34" charset="0"/>
                 </a:rPr>
                 <a:t>CN_input_amendments</a:t>
               </a:r>
               <a:r>
-                <a:rPr lang="de-CH" sz="1200" dirty="0">
+                <a:rPr lang="de-CH" sz="1000" dirty="0">
                   <a:latin typeface="Arial" panose="020B0604020202020204" pitchFamily="34" charset="0"/>
                   <a:cs typeface="Arial" panose="020B0604020202020204" pitchFamily="34" charset="0"/>
                 </a:rPr>
@@ -3763,14 +3906,14 @@
               </a:r>
             </a:p>
             <a:p>
-              <a:endParaRPr lang="de-CH" sz="1200" dirty="0">
+              <a:endParaRPr lang="de-CH" sz="1000" dirty="0">
                 <a:latin typeface="Arial" panose="020B0604020202020204" pitchFamily="34" charset="0"/>
                 <a:cs typeface="Arial" panose="020B0604020202020204" pitchFamily="34" charset="0"/>
               </a:endParaRPr>
             </a:p>
             <a:p>
               <a:r>
-                <a:rPr lang="de-CH" sz="1200" dirty="0">
+                <a:rPr lang="de-CH" sz="1000" dirty="0">
                   <a:latin typeface="Arial" panose="020B0604020202020204" pitchFamily="34" charset="0"/>
                   <a:cs typeface="Arial" panose="020B0604020202020204" pitchFamily="34" charset="0"/>
                 </a:rPr>
@@ -3778,21 +3921,21 @@
               </a:r>
             </a:p>
             <a:p>
-              <a:endParaRPr lang="de-CH" sz="1200" dirty="0">
+              <a:endParaRPr lang="de-CH" sz="1000" dirty="0">
                 <a:latin typeface="Arial" panose="020B0604020202020204" pitchFamily="34" charset="0"/>
                 <a:cs typeface="Arial" panose="020B0604020202020204" pitchFamily="34" charset="0"/>
               </a:endParaRPr>
             </a:p>
             <a:p>
               <a:r>
-                <a:rPr lang="de-CH" sz="1200" dirty="0" err="1">
+                <a:rPr lang="de-CH" sz="1000" dirty="0" err="1">
                   <a:latin typeface="Arial" panose="020B0604020202020204" pitchFamily="34" charset="0"/>
                   <a:cs typeface="Arial" panose="020B0604020202020204" pitchFamily="34" charset="0"/>
                 </a:rPr>
                 <a:t>plant_cover</a:t>
               </a:r>
               <a:r>
-                <a:rPr lang="de-CH" sz="1200" dirty="0">
+                <a:rPr lang="de-CH" sz="1000" dirty="0">
                   <a:latin typeface="Arial" panose="020B0604020202020204" pitchFamily="34" charset="0"/>
                   <a:cs typeface="Arial" panose="020B0604020202020204" pitchFamily="34" charset="0"/>
                 </a:rPr>
@@ -3800,21 +3943,21 @@
               </a:r>
             </a:p>
             <a:p>
-              <a:endParaRPr lang="de-CH" sz="1200" dirty="0">
+              <a:endParaRPr lang="de-CH" sz="1000" dirty="0">
                 <a:latin typeface="Arial" panose="020B0604020202020204" pitchFamily="34" charset="0"/>
                 <a:cs typeface="Arial" panose="020B0604020202020204" pitchFamily="34" charset="0"/>
               </a:endParaRPr>
             </a:p>
             <a:p>
               <a:r>
-                <a:rPr lang="de-CH" sz="1200" dirty="0" err="1">
+                <a:rPr lang="de-CH" sz="1000" dirty="0" err="1">
                   <a:latin typeface="Arial" panose="020B0604020202020204" pitchFamily="34" charset="0"/>
                   <a:cs typeface="Arial" panose="020B0604020202020204" pitchFamily="34" charset="0"/>
                 </a:rPr>
                 <a:t>shannon_index</a:t>
               </a:r>
               <a:r>
-                <a:rPr lang="de-CH" sz="1200" dirty="0">
+                <a:rPr lang="de-CH" sz="1000" dirty="0">
                   <a:latin typeface="Arial" panose="020B0604020202020204" pitchFamily="34" charset="0"/>
                   <a:cs typeface="Arial" panose="020B0604020202020204" pitchFamily="34" charset="0"/>
                 </a:rPr>
@@ -3822,27 +3965,27 @@
               </a:r>
             </a:p>
             <a:p>
-              <a:endParaRPr lang="de-CH" sz="1200" dirty="0">
+              <a:endParaRPr lang="de-CH" sz="1000" dirty="0">
                 <a:latin typeface="Arial" panose="020B0604020202020204" pitchFamily="34" charset="0"/>
                 <a:cs typeface="Arial" panose="020B0604020202020204" pitchFamily="34" charset="0"/>
               </a:endParaRPr>
             </a:p>
             <a:p>
               <a:r>
-                <a:rPr lang="de-CH" sz="1200" dirty="0" err="1">
+                <a:rPr lang="de-CH" sz="1000" dirty="0" err="1">
                   <a:latin typeface="Arial" panose="020B0604020202020204" pitchFamily="34" charset="0"/>
                   <a:cs typeface="Arial" panose="020B0604020202020204" pitchFamily="34" charset="0"/>
                 </a:rPr>
                 <a:t>relative_yield</a:t>
               </a:r>
               <a:r>
-                <a:rPr lang="de-CH" sz="1200" dirty="0">
+                <a:rPr lang="de-CH" sz="1000" dirty="0">
                   <a:latin typeface="Arial" panose="020B0604020202020204" pitchFamily="34" charset="0"/>
                   <a:cs typeface="Arial" panose="020B0604020202020204" pitchFamily="34" charset="0"/>
                 </a:rPr>
                 <a:t>()</a:t>
               </a:r>
-              <a:endParaRPr lang="en-GB" sz="1200" dirty="0">
+              <a:endParaRPr lang="en-GB" sz="1000" dirty="0">
                 <a:latin typeface="Arial" panose="020B0604020202020204" pitchFamily="34" charset="0"/>
                 <a:cs typeface="Arial" panose="020B0604020202020204" pitchFamily="34" charset="0"/>
               </a:endParaRPr>
@@ -3864,10 +4007,10 @@
         </p:nvGrpSpPr>
         <p:grpSpPr>
           <a:xfrm>
-            <a:off x="9154998" y="1143000"/>
-            <a:ext cx="2396026" cy="3745007"/>
+            <a:off x="9086902" y="724705"/>
+            <a:ext cx="2396026" cy="5591629"/>
             <a:chOff x="9154998" y="1143000"/>
-            <a:chExt cx="2396026" cy="3745007"/>
+            <a:chExt cx="2396026" cy="5591629"/>
           </a:xfrm>
         </p:grpSpPr>
         <p:sp>
@@ -3885,7 +4028,7 @@
           <p:spPr bwMode="auto">
             <a:xfrm>
               <a:off x="9154998" y="1143000"/>
-              <a:ext cx="2319618" cy="3745007"/>
+              <a:ext cx="2319618" cy="5591629"/>
             </a:xfrm>
             <a:prstGeom prst="roundRect">
               <a:avLst/>
@@ -3987,7 +4130,7 @@
           <p:spPr>
             <a:xfrm>
               <a:off x="9231406" y="2132014"/>
-              <a:ext cx="2319618" cy="1754326"/>
+              <a:ext cx="2319618" cy="1477328"/>
             </a:xfrm>
             <a:prstGeom prst="rect">
               <a:avLst/>
@@ -4001,96 +4144,89 @@
             <a:lstStyle/>
             <a:p>
               <a:r>
-                <a:rPr lang="de-CH" sz="1200" dirty="0" err="1">
+                <a:rPr lang="de-CH" sz="1000" dirty="0" err="1">
                   <a:latin typeface="Arial" panose="020B0604020202020204" pitchFamily="34" charset="0"/>
                   <a:cs typeface="Arial" panose="020B0604020202020204" pitchFamily="34" charset="0"/>
                 </a:rPr>
                 <a:t>C_input_crops_LOT.rda</a:t>
               </a:r>
-              <a:endParaRPr lang="de-CH" sz="1200" dirty="0">
+              <a:endParaRPr lang="de-CH" sz="1000" dirty="0">
                 <a:latin typeface="Arial" panose="020B0604020202020204" pitchFamily="34" charset="0"/>
                 <a:cs typeface="Arial" panose="020B0604020202020204" pitchFamily="34" charset="0"/>
               </a:endParaRPr>
             </a:p>
             <a:p>
-              <a:endParaRPr lang="de-CH" sz="1200" dirty="0">
+              <a:endParaRPr lang="de-CH" sz="1000" dirty="0">
                 <a:latin typeface="Arial" panose="020B0604020202020204" pitchFamily="34" charset="0"/>
                 <a:cs typeface="Arial" panose="020B0604020202020204" pitchFamily="34" charset="0"/>
               </a:endParaRPr>
             </a:p>
             <a:p>
               <a:r>
-                <a:rPr lang="de-CH" sz="1200" dirty="0" err="1">
-                  <a:latin typeface="Arial" panose="020B0604020202020204" pitchFamily="34" charset="0"/>
-                  <a:cs typeface="Arial" panose="020B0604020202020204" pitchFamily="34" charset="0"/>
-                </a:rPr>
-                <a:t>CN_input_amendments</a:t>
-              </a:r>
-              <a:r>
                 <a:rPr lang="de-CH" sz="1000" dirty="0" err="1">
                   <a:latin typeface="Arial" panose="020B0604020202020204" pitchFamily="34" charset="0"/>
                   <a:cs typeface="Arial" panose="020B0604020202020204" pitchFamily="34" charset="0"/>
                 </a:rPr>
-                <a:t>_LOT.rda</a:t>
-              </a:r>
-              <a:endParaRPr lang="de-CH" sz="1200" dirty="0">
+                <a:t>CN_input_amendments_LOT.rda</a:t>
+              </a:r>
+              <a:endParaRPr lang="de-CH" sz="1000" dirty="0">
                 <a:latin typeface="Arial" panose="020B0604020202020204" pitchFamily="34" charset="0"/>
                 <a:cs typeface="Arial" panose="020B0604020202020204" pitchFamily="34" charset="0"/>
               </a:endParaRPr>
             </a:p>
             <a:p>
-              <a:endParaRPr lang="de-CH" sz="1200" dirty="0">
+              <a:endParaRPr lang="de-CH" sz="1000" dirty="0">
                 <a:latin typeface="Arial" panose="020B0604020202020204" pitchFamily="34" charset="0"/>
                 <a:cs typeface="Arial" panose="020B0604020202020204" pitchFamily="34" charset="0"/>
               </a:endParaRPr>
             </a:p>
             <a:p>
               <a:r>
-                <a:rPr lang="de-CH" sz="1200" dirty="0" err="1">
+                <a:rPr lang="de-CH" sz="1000" dirty="0" err="1">
                   <a:latin typeface="Arial" panose="020B0604020202020204" pitchFamily="34" charset="0"/>
                   <a:cs typeface="Arial" panose="020B0604020202020204" pitchFamily="34" charset="0"/>
                 </a:rPr>
                 <a:t>STIR_value_LOT.rda</a:t>
               </a:r>
-              <a:endParaRPr lang="de-CH" sz="1200" dirty="0">
+              <a:endParaRPr lang="de-CH" sz="1000" dirty="0">
                 <a:latin typeface="Arial" panose="020B0604020202020204" pitchFamily="34" charset="0"/>
                 <a:cs typeface="Arial" panose="020B0604020202020204" pitchFamily="34" charset="0"/>
               </a:endParaRPr>
             </a:p>
             <a:p>
-              <a:endParaRPr lang="de-CH" sz="1200" dirty="0">
+              <a:endParaRPr lang="de-CH" sz="1000" dirty="0">
                 <a:latin typeface="Arial" panose="020B0604020202020204" pitchFamily="34" charset="0"/>
                 <a:cs typeface="Arial" panose="020B0604020202020204" pitchFamily="34" charset="0"/>
               </a:endParaRPr>
             </a:p>
             <a:p>
               <a:r>
-                <a:rPr lang="de-CH" sz="1200" dirty="0" err="1">
+                <a:rPr lang="de-CH" sz="1000" dirty="0" err="1">
                   <a:latin typeface="Arial" panose="020B0604020202020204" pitchFamily="34" charset="0"/>
                   <a:cs typeface="Arial" panose="020B0604020202020204" pitchFamily="34" charset="0"/>
                 </a:rPr>
                 <a:t>plant_cover_LOT.rda</a:t>
               </a:r>
-              <a:endParaRPr lang="de-CH" sz="1200" dirty="0">
+              <a:endParaRPr lang="de-CH" sz="1000" dirty="0">
                 <a:latin typeface="Arial" panose="020B0604020202020204" pitchFamily="34" charset="0"/>
                 <a:cs typeface="Arial" panose="020B0604020202020204" pitchFamily="34" charset="0"/>
               </a:endParaRPr>
             </a:p>
             <a:p>
-              <a:endParaRPr lang="de-CH" sz="1200" dirty="0">
+              <a:endParaRPr lang="de-CH" sz="1000" dirty="0">
                 <a:latin typeface="Arial" panose="020B0604020202020204" pitchFamily="34" charset="0"/>
                 <a:cs typeface="Arial" panose="020B0604020202020204" pitchFamily="34" charset="0"/>
               </a:endParaRPr>
             </a:p>
             <a:p>
               <a:r>
-                <a:rPr lang="de-CH" sz="1200" dirty="0" err="1">
+                <a:rPr lang="de-CH" sz="1000" dirty="0" err="1">
                   <a:latin typeface="Arial" panose="020B0604020202020204" pitchFamily="34" charset="0"/>
                   <a:cs typeface="Arial" panose="020B0604020202020204" pitchFamily="34" charset="0"/>
                 </a:rPr>
                 <a:t>EXAMPLE_data.rda</a:t>
               </a:r>
-              <a:endParaRPr lang="en-GB" sz="1200" dirty="0">
+              <a:endParaRPr lang="en-GB" sz="1000" dirty="0">
                 <a:latin typeface="Arial" panose="020B0604020202020204" pitchFamily="34" charset="0"/>
                 <a:cs typeface="Arial" panose="020B0604020202020204" pitchFamily="34" charset="0"/>
               </a:endParaRPr>
@@ -4112,7 +4248,7 @@
         </p:nvGrpSpPr>
         <p:grpSpPr>
           <a:xfrm>
-            <a:off x="921112" y="5022476"/>
+            <a:off x="853016" y="4604181"/>
             <a:ext cx="2319618" cy="1660712"/>
             <a:chOff x="921112" y="5022476"/>
             <a:chExt cx="2319618" cy="1660712"/>
@@ -4253,7 +4389,7 @@
           <p:spPr>
             <a:xfrm>
               <a:off x="921112" y="5937532"/>
-              <a:ext cx="2319617" cy="646331"/>
+              <a:ext cx="2319617" cy="553998"/>
             </a:xfrm>
             <a:prstGeom prst="rect">
               <a:avLst/>
@@ -4267,88 +4403,88 @@
             <a:lstStyle/>
             <a:p>
               <a:r>
-                <a:rPr lang="de-CH" sz="1200" dirty="0">
+                <a:rPr lang="de-CH" sz="1000" dirty="0">
                   <a:latin typeface="Arial" panose="020B0604020202020204" pitchFamily="34" charset="0"/>
                   <a:cs typeface="Arial" panose="020B0604020202020204" pitchFamily="34" charset="0"/>
                 </a:rPr>
                 <a:t>XLSX </a:t>
               </a:r>
               <a:r>
-                <a:rPr lang="de-CH" sz="1200" dirty="0" err="1">
+                <a:rPr lang="de-CH" sz="1000" dirty="0" err="1">
                   <a:latin typeface="Arial" panose="020B0604020202020204" pitchFamily="34" charset="0"/>
                   <a:cs typeface="Arial" panose="020B0604020202020204" pitchFamily="34" charset="0"/>
                 </a:rPr>
                 <a:t>for</a:t>
               </a:r>
               <a:r>
-                <a:rPr lang="de-CH" sz="1200" dirty="0">
+                <a:rPr lang="de-CH" sz="1000" dirty="0">
                   <a:latin typeface="Arial" panose="020B0604020202020204" pitchFamily="34" charset="0"/>
                   <a:cs typeface="Arial" panose="020B0604020202020204" pitchFamily="34" charset="0"/>
                 </a:rPr>
                 <a:t> </a:t>
               </a:r>
               <a:r>
-                <a:rPr lang="de-CH" sz="1200" dirty="0" err="1">
+                <a:rPr lang="de-CH" sz="1000" dirty="0" err="1">
                   <a:latin typeface="Arial" panose="020B0604020202020204" pitchFamily="34" charset="0"/>
                   <a:cs typeface="Arial" panose="020B0604020202020204" pitchFamily="34" charset="0"/>
                 </a:rPr>
                 <a:t>management_df</a:t>
               </a:r>
-              <a:endParaRPr lang="de-CH" sz="1200" dirty="0">
+              <a:endParaRPr lang="de-CH" sz="1000" dirty="0">
                 <a:latin typeface="Arial" panose="020B0604020202020204" pitchFamily="34" charset="0"/>
                 <a:cs typeface="Arial" panose="020B0604020202020204" pitchFamily="34" charset="0"/>
               </a:endParaRPr>
             </a:p>
             <a:p>
-              <a:endParaRPr lang="de-CH" sz="1200" dirty="0">
+              <a:endParaRPr lang="de-CH" sz="1000" dirty="0">
                 <a:latin typeface="Arial" panose="020B0604020202020204" pitchFamily="34" charset="0"/>
                 <a:cs typeface="Arial" panose="020B0604020202020204" pitchFamily="34" charset="0"/>
               </a:endParaRPr>
             </a:p>
             <a:p>
               <a:r>
-                <a:rPr lang="de-CH" sz="1200" dirty="0">
+                <a:rPr lang="de-CH" sz="1000" dirty="0">
                   <a:latin typeface="Arial" panose="020B0604020202020204" pitchFamily="34" charset="0"/>
                   <a:cs typeface="Arial" panose="020B0604020202020204" pitchFamily="34" charset="0"/>
                 </a:rPr>
                 <a:t>Illustrated </a:t>
               </a:r>
               <a:r>
-                <a:rPr lang="de-CH" sz="1200" dirty="0" err="1">
+                <a:rPr lang="de-CH" sz="1000" dirty="0" err="1">
                   <a:latin typeface="Arial" panose="020B0604020202020204" pitchFamily="34" charset="0"/>
                   <a:cs typeface="Arial" panose="020B0604020202020204" pitchFamily="34" charset="0"/>
                 </a:rPr>
                 <a:t>guide</a:t>
               </a:r>
               <a:r>
-                <a:rPr lang="de-CH" sz="1200" dirty="0">
+                <a:rPr lang="de-CH" sz="1000" dirty="0">
                   <a:latin typeface="Arial" panose="020B0604020202020204" pitchFamily="34" charset="0"/>
                   <a:cs typeface="Arial" panose="020B0604020202020204" pitchFamily="34" charset="0"/>
                 </a:rPr>
                 <a:t> </a:t>
               </a:r>
               <a:r>
-                <a:rPr lang="de-CH" sz="1200" dirty="0" err="1">
+                <a:rPr lang="de-CH" sz="1000" dirty="0" err="1">
                   <a:latin typeface="Arial" panose="020B0604020202020204" pitchFamily="34" charset="0"/>
                   <a:cs typeface="Arial" panose="020B0604020202020204" pitchFamily="34" charset="0"/>
                 </a:rPr>
                 <a:t>with</a:t>
               </a:r>
               <a:r>
-                <a:rPr lang="de-CH" sz="1200" dirty="0">
+                <a:rPr lang="de-CH" sz="1000" dirty="0">
                   <a:latin typeface="Arial" panose="020B0604020202020204" pitchFamily="34" charset="0"/>
                   <a:cs typeface="Arial" panose="020B0604020202020204" pitchFamily="34" charset="0"/>
                 </a:rPr>
                 <a:t> </a:t>
               </a:r>
               <a:r>
-                <a:rPr lang="de-CH" sz="1200" dirty="0" err="1">
+                <a:rPr lang="de-CH" sz="1000" dirty="0" err="1">
                   <a:latin typeface="Arial" panose="020B0604020202020204" pitchFamily="34" charset="0"/>
                   <a:cs typeface="Arial" panose="020B0604020202020204" pitchFamily="34" charset="0"/>
                 </a:rPr>
                 <a:t>operations</a:t>
               </a:r>
-              <a:endParaRPr lang="en-GB" sz="1200" dirty="0">
+              <a:endParaRPr lang="en-GB" sz="1000" dirty="0">
                 <a:latin typeface="Arial" panose="020B0604020202020204" pitchFamily="34" charset="0"/>
                 <a:cs typeface="Arial" panose="020B0604020202020204" pitchFamily="34" charset="0"/>
               </a:endParaRPr>
